--- a/WECProgramming.pptx
+++ b/WECProgramming.pptx
@@ -114,7 +114,16 @@
       </a:defRPr>
     </a:lvl9pPr>
   </p:defaultTextStyle>
+  <p:extLst>
+    <p:ext uri="{EFAFB233-063F-42B5-8137-9DF3F51BA10A}">
+      <p15:sldGuideLst xmlns:p15="http://schemas.microsoft.com/office/powerpoint/2012/main"/>
+    </p:ext>
+  </p:extLst>
 </p:presentation>
+</file>
+
+<file path=ppt/revisionInfo.xml><?xml version="1.0" encoding="utf-8"?>
+<p1510:revInfo xmlns:a="http://schemas.openxmlformats.org/drawingml/2006/main" xmlns:r="http://schemas.openxmlformats.org/officeDocument/2006/relationships" xmlns:p1510="http://schemas.microsoft.com/office/powerpoint/2015/10/main"/>
 </file>
 
 <file path=ppt/notesMasters/notesMaster1.xml><?xml version="1.0" encoding="utf-8"?>
@@ -4067,48 +4076,40 @@
           <a:chExt cx="0" cy="0"/>
         </a:xfrm>
       </p:grpSpPr>
-      <p:sp>
-        <p:nvSpPr>
-          <p:cNvPr id="2" name="Title 1"/>
-          <p:cNvSpPr>
-            <a:spLocks noGrp="1"/>
-          </p:cNvSpPr>
-          <p:nvPr>
-            <p:ph type="title"/>
-          </p:nvPr>
-        </p:nvSpPr>
-        <p:spPr/>
-        <p:txBody>
-          <a:bodyPr/>
-          <a:lstStyle/>
-          <a:p>
-            <a:endParaRPr lang="en-CA"/>
-          </a:p>
-        </p:txBody>
-      </p:sp>
-      <p:sp>
-        <p:nvSpPr>
-          <p:cNvPr id="3" name="Content Placeholder 2"/>
-          <p:cNvSpPr>
-            <a:spLocks noGrp="1"/>
-          </p:cNvSpPr>
-          <p:nvPr>
-            <p:ph idx="1"/>
-          </p:nvPr>
-        </p:nvSpPr>
-        <p:spPr/>
-        <p:txBody>
-          <a:bodyPr/>
-          <a:lstStyle/>
-          <a:p>
-            <a:endParaRPr lang="en-CA"/>
-          </a:p>
-        </p:txBody>
-      </p:sp>
+      <p:pic>
+        <p:nvPicPr>
+          <p:cNvPr id="3" name="Picture 2"/>
+          <p:cNvPicPr>
+            <a:picLocks noChangeAspect="1"/>
+          </p:cNvPicPr>
+          <p:nvPr/>
+        </p:nvPicPr>
+        <p:blipFill>
+          <a:blip r:embed="rId2">
+            <a:extLst>
+              <a:ext uri="{28A0092B-C50C-407E-A947-70E740481C1C}">
+                <a14:useLocalDpi xmlns:a14="http://schemas.microsoft.com/office/drawing/2010/main" val="0"/>
+              </a:ext>
+            </a:extLst>
+          </a:blip>
+          <a:stretch>
+            <a:fillRect/>
+          </a:stretch>
+        </p:blipFill>
+        <p:spPr>
+          <a:xfrm>
+            <a:off x="457199" y="0"/>
+            <a:ext cx="11403015" cy="6858000"/>
+          </a:xfrm>
+          <a:prstGeom prst="rect">
+            <a:avLst/>
+          </a:prstGeom>
+        </p:spPr>
+      </p:pic>
     </p:spTree>
     <p:extLst>
       <p:ext uri="{BB962C8B-B14F-4D97-AF65-F5344CB8AC3E}">
-        <p14:creationId xmlns:p14="http://schemas.microsoft.com/office/powerpoint/2010/main" val="3613411098"/>
+        <p14:creationId xmlns:p14="http://schemas.microsoft.com/office/powerpoint/2010/main" val="1283001480"/>
       </p:ext>
     </p:extLst>
   </p:cSld>

--- a/WECProgramming.pptx
+++ b/WECProgramming.pptx
@@ -4025,6 +4025,18 @@
               <a:rPr lang="en-CA" dirty="0"/>
               <a:t>Direction each elevator is moving</a:t>
             </a:r>
+          </a:p>
+          <a:p>
+            <a:pPr lvl="1"/>
+            <a:r>
+              <a:rPr lang="en-CA" dirty="0"/>
+              <a:t>Floors </a:t>
+            </a:r>
+            <a:r>
+              <a:rPr lang="en-CA"/>
+              <a:t>with people waiting</a:t>
+            </a:r>
+            <a:endParaRPr lang="en-CA" dirty="0"/>
           </a:p>
           <a:p>
             <a:pPr lvl="1"/>
